--- a/HackAddThon 2023.pptx
+++ b/HackAddThon 2023.pptx
@@ -9,6 +9,7 @@
     <p:sldId id="257" r:id="rId3"/>
     <p:sldId id="258" r:id="rId4"/>
     <p:sldId id="259" r:id="rId5"/>
+    <p:sldId id="260" r:id="rId6"/>
   </p:sldIdLst>
   <p:sldSz cx="12192000" cy="6858000"/>
   <p:notesSz cx="6858000" cy="9144000"/>
@@ -5457,22 +5458,8 @@
           <a:p>
             <a:pPr lvl="1"/>
             <a:r>
-              <a:rPr lang="sv-SE" sz="2100" dirty="0"/>
-              <a:t>Flödesdesign</a:t>
-            </a:r>
-          </a:p>
-          <a:p>
-            <a:pPr lvl="1"/>
-            <a:r>
-              <a:rPr lang="sv-SE" sz="2100" dirty="0"/>
-              <a:t>Känna av “på plats”</a:t>
-            </a:r>
-          </a:p>
-          <a:p>
-            <a:pPr lvl="1"/>
-            <a:r>
-              <a:rPr lang="sv-SE" sz="2100" dirty="0"/>
-              <a:t>Identifiera avvikande stop</a:t>
+              <a:rPr lang="en-US" sz="2100" dirty="0"/>
+              <a:t>Flowchart</a:t>
             </a:r>
           </a:p>
           <a:p>
@@ -5483,6 +5470,20 @@
             </a:r>
           </a:p>
           <a:p>
+            <a:pPr lvl="1"/>
+            <a:r>
+              <a:rPr lang="sv-SE" sz="2100" dirty="0"/>
+              <a:t>Visning av karta/rutt</a:t>
+            </a:r>
+          </a:p>
+          <a:p>
+            <a:pPr lvl="1"/>
+            <a:r>
+              <a:rPr lang="sv-SE" sz="2100" dirty="0"/>
+              <a:t>Utsättning av punkter/stop (esri)</a:t>
+            </a:r>
+          </a:p>
+          <a:p>
             <a:r>
               <a:rPr lang="en-US" sz="2100" dirty="0"/>
               <a:t>Backend (.NET / Azure SQL)</a:t>
@@ -5513,7 +5514,7 @@
             <a:pPr lvl="1"/>
             <a:r>
               <a:rPr lang="sv-SE" sz="2100" dirty="0"/>
-              <a:t>Design av API</a:t>
+              <a:t>Design av API i samverkan med andra grupper</a:t>
             </a:r>
           </a:p>
           <a:p>
@@ -5561,6 +5562,493 @@
     <p:extLst>
       <p:ext uri="{BB962C8B-B14F-4D97-AF65-F5344CB8AC3E}">
         <p14:creationId xmlns:p14="http://schemas.microsoft.com/office/powerpoint/2010/main" val="719416678"/>
+      </p:ext>
+    </p:extLst>
+  </p:cSld>
+  <p:clrMapOvr>
+    <a:masterClrMapping/>
+  </p:clrMapOvr>
+</p:sld>
+</file>
+
+<file path=ppt/slides/slide5.xml><?xml version="1.0" encoding="utf-8"?>
+<p:sld xmlns:a="http://schemas.openxmlformats.org/drawingml/2006/main" xmlns:r="http://schemas.openxmlformats.org/officeDocument/2006/relationships" xmlns:p="http://schemas.openxmlformats.org/presentationml/2006/main">
+  <p:cSld>
+    <p:bg>
+      <p:bgPr>
+        <a:solidFill>
+          <a:schemeClr val="bg2"/>
+        </a:solidFill>
+        <a:effectLst/>
+      </p:bgPr>
+    </p:bg>
+    <p:spTree>
+      <p:nvGrpSpPr>
+        <p:cNvPr id="1" name=""/>
+        <p:cNvGrpSpPr/>
+        <p:nvPr/>
+      </p:nvGrpSpPr>
+      <p:grpSpPr>
+        <a:xfrm>
+          <a:off x="0" y="0"/>
+          <a:ext cx="0" cy="0"/>
+          <a:chOff x="0" y="0"/>
+          <a:chExt cx="0" cy="0"/>
+        </a:xfrm>
+      </p:grpSpPr>
+      <p:sp useBgFill="1">
+        <p:nvSpPr>
+          <p:cNvPr id="10" name="Rectangle 9">
+            <a:extLst>
+              <a:ext uri="{FF2B5EF4-FFF2-40B4-BE49-F238E27FC236}">
+                <a16:creationId xmlns:a16="http://schemas.microsoft.com/office/drawing/2014/main" id="{987A0FBA-CC04-4256-A8EB-BB3C543E989C}"/>
+              </a:ext>
+              <a:ext uri="{C183D7F6-B498-43B3-948B-1728B52AA6E4}">
+                <adec:decorative xmlns:adec="http://schemas.microsoft.com/office/drawing/2017/decorative" val="1"/>
+              </a:ext>
+            </a:extLst>
+          </p:cNvPr>
+          <p:cNvSpPr>
+            <a:spLocks noGrp="1" noRot="1" noChangeAspect="1" noMove="1" noResize="1" noEditPoints="1" noAdjustHandles="1" noChangeArrowheads="1" noChangeShapeType="1" noTextEdit="1"/>
+          </p:cNvSpPr>
+          <p:nvPr>
+            <p:extLst>
+              <p:ext uri="{386F3935-93C4-4BCD-93E2-E3B085C9AB24}">
+                <p16:designElem xmlns:p16="http://schemas.microsoft.com/office/powerpoint/2015/main" val="1"/>
+              </p:ext>
+            </p:extLst>
+          </p:nvPr>
+        </p:nvSpPr>
+        <p:spPr>
+          <a:xfrm>
+            <a:off x="0" y="0"/>
+            <a:ext cx="12192000" cy="6858000"/>
+          </a:xfrm>
+          <a:prstGeom prst="rect">
+            <a:avLst/>
+          </a:prstGeom>
+          <a:ln w="12700" cap="flat" cmpd="sng" algn="ctr">
+            <a:noFill/>
+            <a:prstDash val="solid"/>
+            <a:miter lim="800000"/>
+          </a:ln>
+          <a:effectLst/>
+          <a:extLst>
+            <a:ext uri="{91240B29-F687-4F45-9708-019B960494DF}">
+              <a14:hiddenLine xmlns:a14="http://schemas.microsoft.com/office/drawing/2010/main" w="12700" cap="flat" cmpd="sng" algn="ctr">
+                <a:solidFill>
+                  <a:schemeClr val="accent1">
+                    <a:shade val="50000"/>
+                  </a:schemeClr>
+                </a:solidFill>
+                <a:prstDash val="solid"/>
+                <a:miter lim="800000"/>
+              </a14:hiddenLine>
+            </a:ext>
+          </a:extLst>
+        </p:spPr>
+        <p:style>
+          <a:lnRef idx="2">
+            <a:schemeClr val="accent1">
+              <a:shade val="50000"/>
+            </a:schemeClr>
+          </a:lnRef>
+          <a:fillRef idx="1">
+            <a:schemeClr val="accent1"/>
+          </a:fillRef>
+          <a:effectRef idx="0">
+            <a:schemeClr val="accent1"/>
+          </a:effectRef>
+          <a:fontRef idx="minor">
+            <a:schemeClr val="lt1"/>
+          </a:fontRef>
+        </p:style>
+        <p:txBody>
+          <a:bodyPr rtlCol="0" anchor="ctr"/>
+          <a:lstStyle/>
+          <a:p>
+            <a:pPr algn="ctr"/>
+            <a:endParaRPr lang="en-US"/>
+          </a:p>
+        </p:txBody>
+      </p:sp>
+      <p:pic>
+        <p:nvPicPr>
+          <p:cNvPr id="5" name="Bildobjekt 4" descr="En bild som visar Färggrann, tavla, moln, apelsin&#10;&#10;Automatiskt genererad beskrivning">
+            <a:extLst>
+              <a:ext uri="{FF2B5EF4-FFF2-40B4-BE49-F238E27FC236}">
+                <a16:creationId xmlns:a16="http://schemas.microsoft.com/office/drawing/2014/main" id="{E69BA89A-802F-79F9-CC04-EC471316EC1A}"/>
+              </a:ext>
+            </a:extLst>
+          </p:cNvPr>
+          <p:cNvPicPr>
+            <a:picLocks noChangeAspect="1"/>
+          </p:cNvPicPr>
+          <p:nvPr/>
+        </p:nvPicPr>
+        <p:blipFill rotWithShape="1">
+          <a:blip r:embed="rId2">
+            <a:extLst>
+              <a:ext uri="{28A0092B-C50C-407E-A947-70E740481C1C}">
+                <a14:useLocalDpi xmlns:a14="http://schemas.microsoft.com/office/drawing/2010/main" val="0"/>
+              </a:ext>
+            </a:extLst>
+          </a:blip>
+          <a:srcRect l="20947" r="6405" b="-1"/>
+          <a:stretch/>
+        </p:blipFill>
+        <p:spPr>
+          <a:xfrm>
+            <a:off x="2" y="10"/>
+            <a:ext cx="5578823" cy="6028246"/>
+          </a:xfrm>
+          <a:custGeom>
+            <a:avLst/>
+            <a:gdLst/>
+            <a:ahLst/>
+            <a:cxnLst/>
+            <a:rect l="l" t="t" r="r" b="b"/>
+            <a:pathLst>
+              <a:path w="5578823" h="6028256">
+                <a:moveTo>
+                  <a:pt x="0" y="0"/>
+                </a:moveTo>
+                <a:lnTo>
+                  <a:pt x="3897606" y="0"/>
+                </a:lnTo>
+                <a:lnTo>
+                  <a:pt x="4274232" y="360545"/>
+                </a:lnTo>
+                <a:cubicBezTo>
+                  <a:pt x="4408856" y="488910"/>
+                  <a:pt x="4542134" y="615181"/>
+                  <a:pt x="4673934" y="738354"/>
+                </a:cubicBezTo>
+                <a:cubicBezTo>
+                  <a:pt x="5042663" y="1082881"/>
+                  <a:pt x="5282330" y="1428108"/>
+                  <a:pt x="5421862" y="1773839"/>
+                </a:cubicBezTo>
+                <a:cubicBezTo>
+                  <a:pt x="5631101" y="2292214"/>
+                  <a:pt x="5614731" y="2811325"/>
+                  <a:pt x="5469198" y="3329255"/>
+                </a:cubicBezTo>
+                <a:cubicBezTo>
+                  <a:pt x="5323662" y="3847185"/>
+                  <a:pt x="5048962" y="4363935"/>
+                  <a:pt x="4741546" y="4877588"/>
+                </a:cubicBezTo>
+                <a:cubicBezTo>
+                  <a:pt x="4027238" y="6071494"/>
+                  <a:pt x="2764972" y="6102970"/>
+                  <a:pt x="1325600" y="5980388"/>
+                </a:cubicBezTo>
+                <a:cubicBezTo>
+                  <a:pt x="903947" y="5944442"/>
+                  <a:pt x="499735" y="5907589"/>
+                  <a:pt x="137593" y="5804042"/>
+                </a:cubicBezTo>
+                <a:lnTo>
+                  <a:pt x="0" y="5760161"/>
+                </a:lnTo>
+                <a:close/>
+              </a:path>
+            </a:pathLst>
+          </a:custGeom>
+        </p:spPr>
+      </p:pic>
+      <p:sp>
+        <p:nvSpPr>
+          <p:cNvPr id="12" name="Freeform: Shape 11">
+            <a:extLst>
+              <a:ext uri="{FF2B5EF4-FFF2-40B4-BE49-F238E27FC236}">
+                <a16:creationId xmlns:a16="http://schemas.microsoft.com/office/drawing/2014/main" id="{E633B38B-B87A-4288-A20F-0223A6C27A5A}"/>
+              </a:ext>
+              <a:ext uri="{C183D7F6-B498-43B3-948B-1728B52AA6E4}">
+                <adec:decorative xmlns:adec="http://schemas.microsoft.com/office/drawing/2017/decorative" val="1"/>
+              </a:ext>
+            </a:extLst>
+          </p:cNvPr>
+          <p:cNvSpPr>
+            <a:spLocks noGrp="1" noRot="1" noChangeAspect="1" noMove="1" noResize="1" noEditPoints="1" noAdjustHandles="1" noChangeArrowheads="1" noChangeShapeType="1" noTextEdit="1"/>
+          </p:cNvSpPr>
+          <p:nvPr>
+            <p:extLst>
+              <p:ext uri="{386F3935-93C4-4BCD-93E2-E3B085C9AB24}">
+                <p16:designElem xmlns:p16="http://schemas.microsoft.com/office/powerpoint/2015/main" val="1"/>
+              </p:ext>
+            </p:extLst>
+          </p:nvPr>
+        </p:nvSpPr>
+        <p:spPr>
+          <a:xfrm>
+            <a:off x="-1" y="0"/>
+            <a:ext cx="5704117" cy="6096000"/>
+          </a:xfrm>
+          <a:custGeom>
+            <a:avLst/>
+            <a:gdLst>
+              <a:gd name="connsiteX0" fmla="*/ 0 w 5704117"/>
+              <a:gd name="connsiteY0" fmla="*/ 0 h 6096000"/>
+              <a:gd name="connsiteX1" fmla="*/ 4562795 w 5704117"/>
+              <a:gd name="connsiteY1" fmla="*/ 0 h 6096000"/>
+              <a:gd name="connsiteX2" fmla="*/ 4721192 w 5704117"/>
+              <a:gd name="connsiteY2" fmla="*/ 133595 h 6096000"/>
+              <a:gd name="connsiteX3" fmla="*/ 5467522 w 5704117"/>
+              <a:gd name="connsiteY3" fmla="*/ 1054328 h 6096000"/>
+              <a:gd name="connsiteX4" fmla="*/ 5538873 w 5704117"/>
+              <a:gd name="connsiteY4" fmla="*/ 2897564 h 6096000"/>
+              <a:gd name="connsiteX5" fmla="*/ 4442050 w 5704117"/>
+              <a:gd name="connsiteY5" fmla="*/ 4732407 h 6096000"/>
+              <a:gd name="connsiteX6" fmla="*/ 93046 w 5704117"/>
+              <a:gd name="connsiteY6" fmla="*/ 6082857 h 6096000"/>
+              <a:gd name="connsiteX7" fmla="*/ 0 w 5704117"/>
+              <a:gd name="connsiteY7" fmla="*/ 6078450 h 6096000"/>
+              <a:gd name="connsiteX0" fmla="*/ 4562795 w 5704117"/>
+              <a:gd name="connsiteY0" fmla="*/ 0 h 6096000"/>
+              <a:gd name="connsiteX1" fmla="*/ 4721192 w 5704117"/>
+              <a:gd name="connsiteY1" fmla="*/ 133595 h 6096000"/>
+              <a:gd name="connsiteX2" fmla="*/ 5467522 w 5704117"/>
+              <a:gd name="connsiteY2" fmla="*/ 1054328 h 6096000"/>
+              <a:gd name="connsiteX3" fmla="*/ 5538873 w 5704117"/>
+              <a:gd name="connsiteY3" fmla="*/ 2897564 h 6096000"/>
+              <a:gd name="connsiteX4" fmla="*/ 4442050 w 5704117"/>
+              <a:gd name="connsiteY4" fmla="*/ 4732407 h 6096000"/>
+              <a:gd name="connsiteX5" fmla="*/ 93046 w 5704117"/>
+              <a:gd name="connsiteY5" fmla="*/ 6082857 h 6096000"/>
+              <a:gd name="connsiteX6" fmla="*/ 0 w 5704117"/>
+              <a:gd name="connsiteY6" fmla="*/ 6078450 h 6096000"/>
+              <a:gd name="connsiteX7" fmla="*/ 91440 w 5704117"/>
+              <a:gd name="connsiteY7" fmla="*/ 91440 h 6096000"/>
+              <a:gd name="connsiteX0" fmla="*/ 4562795 w 5704117"/>
+              <a:gd name="connsiteY0" fmla="*/ 0 h 6096000"/>
+              <a:gd name="connsiteX1" fmla="*/ 4721192 w 5704117"/>
+              <a:gd name="connsiteY1" fmla="*/ 133595 h 6096000"/>
+              <a:gd name="connsiteX2" fmla="*/ 5467522 w 5704117"/>
+              <a:gd name="connsiteY2" fmla="*/ 1054328 h 6096000"/>
+              <a:gd name="connsiteX3" fmla="*/ 5538873 w 5704117"/>
+              <a:gd name="connsiteY3" fmla="*/ 2897564 h 6096000"/>
+              <a:gd name="connsiteX4" fmla="*/ 4442050 w 5704117"/>
+              <a:gd name="connsiteY4" fmla="*/ 4732407 h 6096000"/>
+              <a:gd name="connsiteX5" fmla="*/ 93046 w 5704117"/>
+              <a:gd name="connsiteY5" fmla="*/ 6082857 h 6096000"/>
+              <a:gd name="connsiteX6" fmla="*/ 0 w 5704117"/>
+              <a:gd name="connsiteY6" fmla="*/ 6078450 h 6096000"/>
+            </a:gdLst>
+            <a:ahLst/>
+            <a:cxnLst>
+              <a:cxn ang="0">
+                <a:pos x="connsiteX0" y="connsiteY0"/>
+              </a:cxn>
+              <a:cxn ang="0">
+                <a:pos x="connsiteX1" y="connsiteY1"/>
+              </a:cxn>
+              <a:cxn ang="0">
+                <a:pos x="connsiteX2" y="connsiteY2"/>
+              </a:cxn>
+              <a:cxn ang="0">
+                <a:pos x="connsiteX3" y="connsiteY3"/>
+              </a:cxn>
+              <a:cxn ang="0">
+                <a:pos x="connsiteX4" y="connsiteY4"/>
+              </a:cxn>
+              <a:cxn ang="0">
+                <a:pos x="connsiteX5" y="connsiteY5"/>
+              </a:cxn>
+              <a:cxn ang="0">
+                <a:pos x="connsiteX6" y="connsiteY6"/>
+              </a:cxn>
+            </a:cxnLst>
+            <a:rect l="l" t="t" r="r" b="b"/>
+            <a:pathLst>
+              <a:path w="5704117" h="6096000">
+                <a:moveTo>
+                  <a:pt x="4562795" y="0"/>
+                </a:moveTo>
+                <a:lnTo>
+                  <a:pt x="4721192" y="133595"/>
+                </a:lnTo>
+                <a:cubicBezTo>
+                  <a:pt x="5067135" y="440105"/>
+                  <a:pt x="5309779" y="747048"/>
+                  <a:pt x="5467522" y="1054328"/>
+                </a:cubicBezTo>
+                <a:cubicBezTo>
+                  <a:pt x="5782917" y="1668625"/>
+                  <a:pt x="5758242" y="2283795"/>
+                  <a:pt x="5538873" y="2897564"/>
+                </a:cubicBezTo>
+                <a:cubicBezTo>
+                  <a:pt x="5319500" y="3511334"/>
+                  <a:pt x="4905433" y="4123706"/>
+                  <a:pt x="4442050" y="4732407"/>
+                </a:cubicBezTo>
+                <a:cubicBezTo>
+                  <a:pt x="3499930" y="5970384"/>
+                  <a:pt x="1925433" y="6153690"/>
+                  <a:pt x="93046" y="6082857"/>
+                </a:cubicBezTo>
+                <a:lnTo>
+                  <a:pt x="0" y="6078450"/>
+                </a:lnTo>
+              </a:path>
+            </a:pathLst>
+          </a:custGeom>
+          <a:noFill/>
+          <a:ln w="19050">
+            <a:solidFill>
+              <a:schemeClr val="accent2">
+                <a:lumMod val="60000"/>
+                <a:lumOff val="40000"/>
+              </a:schemeClr>
+            </a:solidFill>
+          </a:ln>
+        </p:spPr>
+        <p:style>
+          <a:lnRef idx="2">
+            <a:schemeClr val="accent1">
+              <a:shade val="50000"/>
+            </a:schemeClr>
+          </a:lnRef>
+          <a:fillRef idx="1">
+            <a:schemeClr val="accent1"/>
+          </a:fillRef>
+          <a:effectRef idx="0">
+            <a:schemeClr val="accent1"/>
+          </a:effectRef>
+          <a:fontRef idx="minor">
+            <a:schemeClr val="lt1"/>
+          </a:fontRef>
+        </p:style>
+        <p:txBody>
+          <a:bodyPr wrap="square" rtlCol="0" anchor="ctr">
+            <a:noAutofit/>
+          </a:bodyPr>
+          <a:lstStyle/>
+          <a:p>
+            <a:pPr algn="ctr"/>
+            <a:endParaRPr lang="en-US">
+              <a:solidFill>
+                <a:prstClr val="white"/>
+              </a:solidFill>
+              <a:latin typeface="Avenir Next LT Pro Light"/>
+            </a:endParaRPr>
+          </a:p>
+        </p:txBody>
+      </p:sp>
+      <p:sp>
+        <p:nvSpPr>
+          <p:cNvPr id="3" name="Platshållare för innehåll 2">
+            <a:extLst>
+              <a:ext uri="{FF2B5EF4-FFF2-40B4-BE49-F238E27FC236}">
+                <a16:creationId xmlns:a16="http://schemas.microsoft.com/office/drawing/2014/main" id="{AF64FB6B-2045-B1C8-8871-470057DEB0B3}"/>
+              </a:ext>
+            </a:extLst>
+          </p:cNvPr>
+          <p:cNvSpPr>
+            <a:spLocks noGrp="1"/>
+          </p:cNvSpPr>
+          <p:nvPr>
+            <p:ph idx="1"/>
+          </p:nvPr>
+        </p:nvSpPr>
+        <p:spPr>
+          <a:xfrm>
+            <a:off x="6096000" y="2286000"/>
+            <a:ext cx="5334000" cy="3810001"/>
+          </a:xfrm>
+        </p:spPr>
+        <p:txBody>
+          <a:bodyPr>
+            <a:normAutofit/>
+          </a:bodyPr>
+          <a:lstStyle/>
+          <a:p>
+            <a:r>
+              <a:rPr lang="sv-SE" sz="2200" dirty="0"/>
+              <a:t>Stöd för inläsning av extern data via klient-gränssnittet (telefonen)</a:t>
+            </a:r>
+          </a:p>
+          <a:p>
+            <a:r>
+              <a:rPr lang="sv-SE" sz="2200" dirty="0"/>
+              <a:t>Känna av “på plats”</a:t>
+            </a:r>
+          </a:p>
+          <a:p>
+            <a:r>
+              <a:rPr lang="sv-SE" sz="2200" dirty="0"/>
+              <a:t>Identifiera avvikande stop (fast i trafik)</a:t>
+            </a:r>
+          </a:p>
+          <a:p>
+            <a:r>
+              <a:rPr lang="sv-SE" sz="2200" dirty="0"/>
+              <a:t>Optimering av rutt</a:t>
+            </a:r>
+          </a:p>
+          <a:p>
+            <a:r>
+              <a:rPr lang="sv-SE" sz="2200" dirty="0"/>
+              <a:t>Omräkning och omledning vid avvikelse från planerad rutt</a:t>
+            </a:r>
+          </a:p>
+          <a:p>
+            <a:pPr marL="0" indent="0">
+              <a:buNone/>
+            </a:pPr>
+            <a:endParaRPr lang="en-US" sz="2200" dirty="0"/>
+          </a:p>
+        </p:txBody>
+      </p:sp>
+      <p:sp>
+        <p:nvSpPr>
+          <p:cNvPr id="2" name="Rubrik 1">
+            <a:extLst>
+              <a:ext uri="{FF2B5EF4-FFF2-40B4-BE49-F238E27FC236}">
+                <a16:creationId xmlns:a16="http://schemas.microsoft.com/office/drawing/2014/main" id="{50FACF2C-7960-3EC8-5584-2CBC2F248B41}"/>
+              </a:ext>
+            </a:extLst>
+          </p:cNvPr>
+          <p:cNvSpPr>
+            <a:spLocks noGrp="1"/>
+          </p:cNvSpPr>
+          <p:nvPr>
+            <p:ph type="title"/>
+          </p:nvPr>
+        </p:nvSpPr>
+        <p:spPr>
+          <a:xfrm>
+            <a:off x="6096000" y="762000"/>
+            <a:ext cx="5334000" cy="1524000"/>
+          </a:xfrm>
+        </p:spPr>
+        <p:txBody>
+          <a:bodyPr>
+            <a:normAutofit/>
+          </a:bodyPr>
+          <a:lstStyle/>
+          <a:p>
+            <a:r>
+              <a:rPr lang="sv-SE" sz="3200"/>
+              <a:t>Framtida</a:t>
+            </a:r>
+            <a:r>
+              <a:rPr lang="en-US" sz="3200"/>
+              <a:t> </a:t>
+            </a:r>
+            <a:r>
+              <a:rPr lang="sv-SE" sz="3200"/>
+              <a:t>utvecklingsmöjligheter</a:t>
+            </a:r>
+          </a:p>
+        </p:txBody>
+      </p:sp>
+    </p:spTree>
+    <p:extLst>
+      <p:ext uri="{BB962C8B-B14F-4D97-AF65-F5344CB8AC3E}">
+        <p14:creationId xmlns:p14="http://schemas.microsoft.com/office/powerpoint/2010/main" val="2156825114"/>
       </p:ext>
     </p:extLst>
   </p:cSld>

--- a/HackAddThon 2023.pptx
+++ b/HackAddThon 2023.pptx
@@ -3964,8 +3964,8 @@
         </p:nvSpPr>
         <p:spPr>
           <a:xfrm>
-            <a:off x="6858000" y="753765"/>
-            <a:ext cx="4572000" cy="3056235"/>
+            <a:off x="6760333" y="2629405"/>
+            <a:ext cx="4027106" cy="1332799"/>
           </a:xfrm>
         </p:spPr>
         <p:txBody>
@@ -3975,8 +3975,15 @@
           <a:lstStyle/>
           <a:p>
             <a:r>
-              <a:rPr lang="en-US" sz="4000" dirty="0" err="1"/>
-              <a:t>HackAddThon</a:t>
+              <a:rPr lang="en-US" sz="4000" dirty="0"/>
+              <a:t>Addnode</a:t>
+            </a:r>
+            <a:br>
+              <a:rPr lang="en-US" sz="4000" dirty="0"/>
+            </a:br>
+            <a:r>
+              <a:rPr lang="en-US" sz="4000" dirty="0"/>
+              <a:t>Hackathon</a:t>
             </a:r>
             <a:r>
               <a:rPr lang="sv-SE" sz="4000" dirty="0"/>
@@ -4004,33 +4011,22 @@
         </p:nvSpPr>
         <p:spPr>
           <a:xfrm>
-            <a:off x="6737926" y="3810000"/>
-            <a:ext cx="5098212" cy="1524000"/>
+            <a:off x="6487886" y="3885162"/>
+            <a:ext cx="4572000" cy="635231"/>
           </a:xfrm>
         </p:spPr>
         <p:txBody>
           <a:bodyPr>
-            <a:normAutofit/>
+            <a:noAutofit/>
           </a:bodyPr>
           <a:lstStyle/>
           <a:p>
-            <a:pPr algn="l"/>
-            <a:r>
-              <a:rPr lang="sv-SE" dirty="0"/>
+            <a:r>
+              <a:rPr lang="sv-SE" sz="2800" dirty="0"/>
               <a:t>TASK: DRIVER SUPPORT</a:t>
             </a:r>
-            <a:br>
-              <a:rPr lang="sv-SE" dirty="0"/>
-            </a:br>
-            <a:r>
-              <a:rPr lang="en-US" sz="2800" dirty="0">
-                <a:latin typeface="AngsanaUPC" panose="020B0502040204020203" pitchFamily="18" charset="-34"/>
-                <a:cs typeface="AngsanaUPC" panose="020B0502040204020203" pitchFamily="18" charset="-34"/>
-              </a:rPr>
-              <a:t>Drive to Give: Sharing Meals, Spreading Hope</a:t>
-            </a:r>
-            <a:endParaRPr lang="sv-SE" dirty="0">
-              <a:latin typeface="AngsanaUPC" panose="020B0502040204020203" pitchFamily="18" charset="-34"/>
+            <a:endParaRPr lang="sv-SE" sz="2800" dirty="0">
+              <a:latin typeface="Forte" panose="03060902040502070203" pitchFamily="66" charset="0"/>
               <a:cs typeface="AngsanaUPC" panose="020B0502040204020203" pitchFamily="18" charset="-34"/>
             </a:endParaRPr>
           </a:p>
@@ -4329,7 +4325,7 @@
         </p:blipFill>
         <p:spPr>
           <a:xfrm>
-            <a:off x="6397886" y="563418"/>
+            <a:off x="6046879" y="478674"/>
             <a:ext cx="5318191" cy="1100975"/>
           </a:xfrm>
           <a:prstGeom prst="rect">
@@ -4337,6 +4333,51 @@
           </a:prstGeom>
         </p:spPr>
       </p:pic>
+      <p:sp>
+        <p:nvSpPr>
+          <p:cNvPr id="6" name="textruta 5">
+            <a:extLst>
+              <a:ext uri="{FF2B5EF4-FFF2-40B4-BE49-F238E27FC236}">
+                <a16:creationId xmlns:a16="http://schemas.microsoft.com/office/drawing/2014/main" id="{66641978-AB41-4478-42F0-9CA3D118AFAF}"/>
+              </a:ext>
+            </a:extLst>
+          </p:cNvPr>
+          <p:cNvSpPr txBox="1"/>
+          <p:nvPr/>
+        </p:nvSpPr>
+        <p:spPr>
+          <a:xfrm>
+            <a:off x="5746633" y="1596658"/>
+            <a:ext cx="6298479" cy="461665"/>
+          </a:xfrm>
+          <a:prstGeom prst="rect">
+            <a:avLst/>
+          </a:prstGeom>
+          <a:noFill/>
+        </p:spPr>
+        <p:txBody>
+          <a:bodyPr wrap="square" rtlCol="0">
+            <a:spAutoFit/>
+          </a:bodyPr>
+          <a:lstStyle/>
+          <a:p>
+            <a:r>
+              <a:rPr lang="sv-SE" sz="2400" dirty="0">
+                <a:latin typeface="Forte" panose="03060902040502070203" pitchFamily="66" charset="0"/>
+              </a:rPr>
+              <a:t>”</a:t>
+            </a:r>
+            <a:r>
+              <a:rPr lang="en-US" sz="2400" dirty="0">
+                <a:latin typeface="Forte" panose="03060902040502070203" pitchFamily="66" charset="0"/>
+                <a:cs typeface="AngsanaUPC" panose="020B0502040204020203" pitchFamily="18" charset="-34"/>
+              </a:rPr>
+              <a:t>Drive to Give: Sharing Meals, Spreading Hope”</a:t>
+            </a:r>
+            <a:endParaRPr lang="en-US" sz="2400" dirty="0"/>
+          </a:p>
+        </p:txBody>
+      </p:sp>
     </p:spTree>
     <p:extLst>
       <p:ext uri="{BB962C8B-B14F-4D97-AF65-F5344CB8AC3E}">
@@ -4851,8 +4892,19 @@
             </a:pPr>
             <a:r>
               <a:rPr lang="sv-SE" sz="2400" dirty="0"/>
-              <a:t>Fredrik 	- Maskot</a:t>
-            </a:r>
+              <a:t>Fredrik 	- Mr </a:t>
+            </a:r>
+            <a:r>
+              <a:rPr lang="sv-SE" sz="2400" b="0" i="0" dirty="0" err="1">
+                <a:solidFill>
+                  <a:srgbClr val="D1D5DB"/>
+                </a:solidFill>
+                <a:effectLst/>
+                <a:latin typeface="Söhne"/>
+              </a:rPr>
+              <a:t>CobwebCode</a:t>
+            </a:r>
+            <a:endParaRPr lang="sv-SE" sz="2400" dirty="0"/>
           </a:p>
         </p:txBody>
       </p:sp>
@@ -6031,15 +6083,15 @@
           <a:lstStyle/>
           <a:p>
             <a:r>
-              <a:rPr lang="sv-SE" sz="3200"/>
+              <a:rPr lang="sv-SE" sz="2800" dirty="0"/>
               <a:t>Framtida</a:t>
             </a:r>
             <a:r>
-              <a:rPr lang="en-US" sz="3200"/>
+              <a:rPr lang="en-US" sz="2800" dirty="0"/>
               <a:t> </a:t>
             </a:r>
             <a:r>
-              <a:rPr lang="sv-SE" sz="3200"/>
+              <a:rPr lang="sv-SE" sz="2800" dirty="0"/>
               <a:t>utvecklingsmöjligheter</a:t>
             </a:r>
           </a:p>
